--- a/Diapositivas/4. Web Testing.pptx
+++ b/Diapositivas/4. Web Testing.pptx
@@ -5,7 +5,7 @@
     <p:sldMasterId id="2147483684" r:id="rId1"/>
   </p:sldMasterIdLst>
   <p:notesMasterIdLst>
-    <p:notesMasterId r:id="rId30"/>
+    <p:notesMasterId r:id="rId31"/>
   </p:notesMasterIdLst>
   <p:sldIdLst>
     <p:sldId id="701" r:id="rId2"/>
@@ -35,7 +35,8 @@
     <p:sldId id="648" r:id="rId26"/>
     <p:sldId id="698" r:id="rId27"/>
     <p:sldId id="646" r:id="rId28"/>
-    <p:sldId id="600" r:id="rId29"/>
+    <p:sldId id="702" r:id="rId29"/>
+    <p:sldId id="600" r:id="rId30"/>
   </p:sldIdLst>
   <p:sldSz cx="9144000" cy="6858000" type="screen4x3"/>
   <p:notesSz cx="6858000" cy="9144000"/>
@@ -144,6 +145,143 @@
 </p:cmAuthorLst>
 </file>
 
+<file path=ppt/charts/chart1.xml><?xml version="1.0" encoding="utf-8"?>
+<c:chartSpace xmlns:c="http://schemas.openxmlformats.org/drawingml/2006/chart" xmlns:a="http://schemas.openxmlformats.org/drawingml/2006/main" xmlns:r="http://schemas.openxmlformats.org/officeDocument/2006/relationships">
+  <c:date1904 val="0"/>
+  <c:lang val="es-PE"/>
+  <c:roundedCorners val="0"/>
+  <mc:AlternateContent xmlns:mc="http://schemas.openxmlformats.org/markup-compatibility/2006">
+    <mc:Choice xmlns:c14="http://schemas.microsoft.com/office/drawing/2007/8/2/chart" Requires="c14">
+      <c14:style val="102"/>
+    </mc:Choice>
+    <mc:Fallback>
+      <c:style val="2"/>
+    </mc:Fallback>
+  </mc:AlternateContent>
+  <c:chart>
+    <c:autoTitleDeleted val="1"/>
+    <c:view3D>
+      <c:rotX val="30"/>
+      <c:rotY val="170"/>
+      <c:rAngAx val="0"/>
+      <c:perspective val="30"/>
+    </c:view3D>
+    <c:floor>
+      <c:thickness val="0"/>
+    </c:floor>
+    <c:sideWall>
+      <c:thickness val="0"/>
+    </c:sideWall>
+    <c:backWall>
+      <c:thickness val="0"/>
+    </c:backWall>
+    <c:plotArea>
+      <c:layout/>
+      <c:pie3DChart>
+        <c:varyColors val="1"/>
+        <c:ser>
+          <c:idx val="0"/>
+          <c:order val="0"/>
+          <c:tx>
+            <c:strRef>
+              <c:f>Hoja1!$B$1</c:f>
+              <c:strCache>
+                <c:ptCount val="1"/>
+                <c:pt idx="0">
+                  <c:v>Ventas</c:v>
+                </c:pt>
+              </c:strCache>
+            </c:strRef>
+          </c:tx>
+          <c:explosion val="25"/>
+          <c:cat>
+            <c:strRef>
+              <c:f>Hoja1!$A$2:$A$5</c:f>
+              <c:strCache>
+                <c:ptCount val="4"/>
+                <c:pt idx="0">
+                  <c:v>Unitarias</c:v>
+                </c:pt>
+                <c:pt idx="1">
+                  <c:v>Integración</c:v>
+                </c:pt>
+                <c:pt idx="2">
+                  <c:v>UI</c:v>
+                </c:pt>
+                <c:pt idx="3">
+                  <c:v>Manuales</c:v>
+                </c:pt>
+              </c:strCache>
+            </c:strRef>
+          </c:cat>
+          <c:val>
+            <c:numRef>
+              <c:f>Hoja1!$B$2:$B$5</c:f>
+              <c:numCache>
+                <c:formatCode>General</c:formatCode>
+                <c:ptCount val="4"/>
+                <c:pt idx="0">
+                  <c:v>0.8</c:v>
+                </c:pt>
+                <c:pt idx="1">
+                  <c:v>0.12</c:v>
+                </c:pt>
+                <c:pt idx="2">
+                  <c:v>7.0000000000000007E-2</c:v>
+                </c:pt>
+                <c:pt idx="3">
+                  <c:v>0.01</c:v>
+                </c:pt>
+              </c:numCache>
+            </c:numRef>
+          </c:val>
+        </c:ser>
+        <c:dLbls>
+          <c:showLegendKey val="0"/>
+          <c:showVal val="0"/>
+          <c:showCatName val="0"/>
+          <c:showSerName val="0"/>
+          <c:showPercent val="0"/>
+          <c:showBubbleSize val="0"/>
+          <c:showLeaderLines val="1"/>
+        </c:dLbls>
+      </c:pie3DChart>
+    </c:plotArea>
+    <c:legend>
+      <c:legendPos val="b"/>
+      <c:layout/>
+      <c:overlay val="0"/>
+      <c:txPr>
+        <a:bodyPr/>
+        <a:lstStyle/>
+        <a:p>
+          <a:pPr>
+            <a:defRPr sz="2400"/>
+          </a:pPr>
+          <a:endParaRPr lang="es-PE"/>
+        </a:p>
+      </c:txPr>
+    </c:legend>
+    <c:plotVisOnly val="1"/>
+    <c:dispBlanksAs val="gap"/>
+    <c:showDLblsOverMax val="0"/>
+  </c:chart>
+  <c:txPr>
+    <a:bodyPr/>
+    <a:lstStyle/>
+    <a:p>
+      <a:pPr>
+        <a:defRPr sz="1800"/>
+      </a:pPr>
+      <a:endParaRPr lang="es-PE"/>
+    </a:p>
+  </c:txPr>
+  <c:externalData r:id="rId1">
+    <c:autoUpdate val="0"/>
+  </c:externalData>
+</c:chartSpace>
+</file>
+
 <file path=ppt/notesMasters/notesMaster1.xml><?xml version="1.0" encoding="utf-8"?>
 <p:notesMaster xmlns:a="http://schemas.openxmlformats.org/drawingml/2006/main" xmlns:r="http://schemas.openxmlformats.org/officeDocument/2006/relationships" xmlns:p="http://schemas.openxmlformats.org/presentationml/2006/main">
   <p:cSld>
@@ -226,7 +364,7 @@
           <a:p>
             <a:fld id="{63D5FC4C-9EE1-4746-A368-724F618FC790}" type="datetimeFigureOut">
               <a:rPr lang="es-PE" smtClean="0"/>
-              <a:t>09/11/2012</a:t>
+              <a:t>02/02/2013</a:t>
             </a:fld>
             <a:endParaRPr lang="es-PE"/>
           </a:p>
@@ -4058,6 +4196,90 @@
 </p:notes>
 </file>
 
+<file path=ppt/notesSlides/notesSlide29.xml><?xml version="1.0" encoding="utf-8"?>
+<p:notes xmlns:a="http://schemas.openxmlformats.org/drawingml/2006/main" xmlns:r="http://schemas.openxmlformats.org/officeDocument/2006/relationships" xmlns:p="http://schemas.openxmlformats.org/presentationml/2006/main">
+  <p:cSld>
+    <p:spTree>
+      <p:nvGrpSpPr>
+        <p:cNvPr id="1" name=""/>
+        <p:cNvGrpSpPr/>
+        <p:nvPr/>
+      </p:nvGrpSpPr>
+      <p:grpSpPr>
+        <a:xfrm>
+          <a:off x="0" y="0"/>
+          <a:ext cx="0" cy="0"/>
+          <a:chOff x="0" y="0"/>
+          <a:chExt cx="0" cy="0"/>
+        </a:xfrm>
+      </p:grpSpPr>
+      <p:sp>
+        <p:nvSpPr>
+          <p:cNvPr id="2" name="1 Marcador de imagen de diapositiva"/>
+          <p:cNvSpPr>
+            <a:spLocks noGrp="1" noRot="1" noChangeAspect="1"/>
+          </p:cNvSpPr>
+          <p:nvPr>
+            <p:ph type="sldImg"/>
+          </p:nvPr>
+        </p:nvSpPr>
+        <p:spPr/>
+      </p:sp>
+      <p:sp>
+        <p:nvSpPr>
+          <p:cNvPr id="3" name="2 Marcador de notas"/>
+          <p:cNvSpPr>
+            <a:spLocks noGrp="1"/>
+          </p:cNvSpPr>
+          <p:nvPr>
+            <p:ph type="body" idx="1"/>
+          </p:nvPr>
+        </p:nvSpPr>
+        <p:spPr/>
+        <p:txBody>
+          <a:bodyPr/>
+          <a:lstStyle/>
+          <a:p>
+            <a:endParaRPr lang="es-PE" dirty="0"/>
+          </a:p>
+        </p:txBody>
+      </p:sp>
+      <p:sp>
+        <p:nvSpPr>
+          <p:cNvPr id="4" name="3 Marcador de número de diapositiva"/>
+          <p:cNvSpPr>
+            <a:spLocks noGrp="1"/>
+          </p:cNvSpPr>
+          <p:nvPr>
+            <p:ph type="sldNum" sz="quarter" idx="10"/>
+          </p:nvPr>
+        </p:nvSpPr>
+        <p:spPr/>
+        <p:txBody>
+          <a:bodyPr/>
+          <a:lstStyle/>
+          <a:p>
+            <a:fld id="{80C14895-23C8-45AE-85D5-3B35E5980A68}" type="slidenum">
+              <a:rPr lang="es-PE" smtClean="0"/>
+              <a:t>29</a:t>
+            </a:fld>
+            <a:endParaRPr lang="es-PE"/>
+          </a:p>
+        </p:txBody>
+      </p:sp>
+    </p:spTree>
+    <p:extLst>
+      <p:ext uri="{BB962C8B-B14F-4D97-AF65-F5344CB8AC3E}">
+        <p14:creationId xmlns:p14="http://schemas.microsoft.com/office/powerpoint/2010/main" val="3432092158"/>
+      </p:ext>
+    </p:extLst>
+  </p:cSld>
+  <p:clrMapOvr>
+    <a:masterClrMapping/>
+  </p:clrMapOvr>
+</p:notes>
+</file>
+
 <file path=ppt/notesSlides/notesSlide3.xml><?xml version="1.0" encoding="utf-8"?>
 <p:notes xmlns:a="http://schemas.openxmlformats.org/drawingml/2006/main" xmlns:r="http://schemas.openxmlformats.org/officeDocument/2006/relationships" xmlns:p="http://schemas.openxmlformats.org/presentationml/2006/main">
   <p:cSld>
@@ -5097,7 +5319,7 @@
             <a:fld id="{807CB568-C05F-482F-9F26-AA302B8892DF}" type="datetimeFigureOut">
               <a:rPr lang="es-ES" smtClean="0"/>
               <a:pPr/>
-              <a:t>09/11/2012</a:t>
+              <a:t>02/02/2013</a:t>
             </a:fld>
             <a:endParaRPr lang="es-ES"/>
           </a:p>
@@ -5276,7 +5498,7 @@
             <a:fld id="{807CB568-C05F-482F-9F26-AA302B8892DF}" type="datetimeFigureOut">
               <a:rPr lang="es-ES" smtClean="0"/>
               <a:pPr/>
-              <a:t>09/11/2012</a:t>
+              <a:t>02/02/2013</a:t>
             </a:fld>
             <a:endParaRPr lang="es-ES"/>
           </a:p>
@@ -5465,7 +5687,7 @@
             <a:fld id="{807CB568-C05F-482F-9F26-AA302B8892DF}" type="datetimeFigureOut">
               <a:rPr lang="es-ES" smtClean="0"/>
               <a:pPr/>
-              <a:t>09/11/2012</a:t>
+              <a:t>02/02/2013</a:t>
             </a:fld>
             <a:endParaRPr lang="es-ES"/>
           </a:p>
@@ -5644,7 +5866,7 @@
             <a:fld id="{807CB568-C05F-482F-9F26-AA302B8892DF}" type="datetimeFigureOut">
               <a:rPr lang="es-ES" smtClean="0"/>
               <a:pPr/>
-              <a:t>09/11/2012</a:t>
+              <a:t>02/02/2013</a:t>
             </a:fld>
             <a:endParaRPr lang="es-ES"/>
           </a:p>
@@ -5899,7 +6121,7 @@
             <a:fld id="{807CB568-C05F-482F-9F26-AA302B8892DF}" type="datetimeFigureOut">
               <a:rPr lang="es-ES" smtClean="0"/>
               <a:pPr/>
-              <a:t>09/11/2012</a:t>
+              <a:t>02/02/2013</a:t>
             </a:fld>
             <a:endParaRPr lang="es-ES"/>
           </a:p>
@@ -6196,7 +6418,7 @@
             <a:fld id="{807CB568-C05F-482F-9F26-AA302B8892DF}" type="datetimeFigureOut">
               <a:rPr lang="es-ES" smtClean="0"/>
               <a:pPr/>
-              <a:t>09/11/2012</a:t>
+              <a:t>02/02/2013</a:t>
             </a:fld>
             <a:endParaRPr lang="es-ES"/>
           </a:p>
@@ -6627,7 +6849,7 @@
             <a:fld id="{807CB568-C05F-482F-9F26-AA302B8892DF}" type="datetimeFigureOut">
               <a:rPr lang="es-ES" smtClean="0"/>
               <a:pPr/>
-              <a:t>09/11/2012</a:t>
+              <a:t>02/02/2013</a:t>
             </a:fld>
             <a:endParaRPr lang="es-ES"/>
           </a:p>
@@ -6754,7 +6976,7 @@
             <a:fld id="{807CB568-C05F-482F-9F26-AA302B8892DF}" type="datetimeFigureOut">
               <a:rPr lang="es-ES" smtClean="0"/>
               <a:pPr/>
-              <a:t>09/11/2012</a:t>
+              <a:t>02/02/2013</a:t>
             </a:fld>
             <a:endParaRPr lang="es-ES"/>
           </a:p>
@@ -6858,7 +7080,7 @@
             <a:fld id="{807CB568-C05F-482F-9F26-AA302B8892DF}" type="datetimeFigureOut">
               <a:rPr lang="es-ES" smtClean="0"/>
               <a:pPr/>
-              <a:t>09/11/2012</a:t>
+              <a:t>02/02/2013</a:t>
             </a:fld>
             <a:endParaRPr lang="es-ES"/>
           </a:p>
@@ -7144,7 +7366,7 @@
             <a:fld id="{807CB568-C05F-482F-9F26-AA302B8892DF}" type="datetimeFigureOut">
               <a:rPr lang="es-ES" smtClean="0"/>
               <a:pPr/>
-              <a:t>09/11/2012</a:t>
+              <a:t>02/02/2013</a:t>
             </a:fld>
             <a:endParaRPr lang="es-ES"/>
           </a:p>
@@ -7413,7 +7635,7 @@
             <a:fld id="{807CB568-C05F-482F-9F26-AA302B8892DF}" type="datetimeFigureOut">
               <a:rPr lang="es-ES" smtClean="0"/>
               <a:pPr/>
-              <a:t>09/11/2012</a:t>
+              <a:t>02/02/2013</a:t>
             </a:fld>
             <a:endParaRPr lang="es-ES"/>
           </a:p>
@@ -7664,7 +7886,7 @@
             <a:fld id="{807CB568-C05F-482F-9F26-AA302B8892DF}" type="datetimeFigureOut">
               <a:rPr lang="es-ES" smtClean="0"/>
               <a:pPr/>
-              <a:t>09/11/2012</a:t>
+              <a:t>02/02/2013</a:t>
             </a:fld>
             <a:endParaRPr lang="es-ES"/>
           </a:p>
@@ -12948,13 +13170,16 @@
       <p:cxnSp>
         <p:nvCxnSpPr>
           <p:cNvPr id="11" name="10 Conector recto de flecha"/>
-          <p:cNvCxnSpPr/>
+          <p:cNvCxnSpPr>
+            <a:stCxn id="12" idx="0"/>
+            <a:endCxn id="13" idx="2"/>
+          </p:cNvCxnSpPr>
           <p:nvPr/>
         </p:nvCxnSpPr>
         <p:spPr>
           <a:xfrm flipV="1">
-            <a:off x="7488011" y="2404562"/>
-            <a:ext cx="43565" cy="3121217"/>
+            <a:off x="7472154" y="2561422"/>
+            <a:ext cx="37639" cy="2836093"/>
           </a:xfrm>
           <a:prstGeom prst="straightConnector1">
             <a:avLst/>
@@ -12963,7 +13188,7 @@
             <a:solidFill>
               <a:srgbClr val="FFC000"/>
             </a:solidFill>
-            <a:headEnd type="arrow" w="med" len="med"/>
+            <a:headEnd type="none" w="med" len="med"/>
             <a:tailEnd type="arrow" w="med" len="med"/>
           </a:ln>
         </p:spPr>
@@ -12990,7 +13215,7 @@
         </p:nvSpPr>
         <p:spPr>
           <a:xfrm>
-            <a:off x="6163944" y="5550331"/>
+            <a:off x="6126305" y="5397515"/>
             <a:ext cx="2691698" cy="892552"/>
           </a:xfrm>
           <a:prstGeom prst="rect">
@@ -13052,7 +13277,7 @@
         </p:nvSpPr>
         <p:spPr>
           <a:xfrm>
-            <a:off x="6126305" y="1052736"/>
+            <a:off x="6126305" y="1268760"/>
             <a:ext cx="2766976" cy="1292662"/>
           </a:xfrm>
           <a:prstGeom prst="rect">
@@ -13115,7 +13340,7 @@
       </p:sp>
       <p:grpSp>
         <p:nvGrpSpPr>
-          <p:cNvPr id="23" name="22 Grupo"/>
+          <p:cNvPr id="2" name="1 Grupo"/>
           <p:cNvGrpSpPr/>
           <p:nvPr/>
         </p:nvGrpSpPr>
@@ -13123,8 +13348,8 @@
           <a:xfrm>
             <a:off x="323528" y="1439556"/>
             <a:ext cx="5616000" cy="4735410"/>
-            <a:chOff x="2042174" y="1455704"/>
-            <a:chExt cx="5607883" cy="4751079"/>
+            <a:chOff x="323528" y="1439556"/>
+            <a:chExt cx="5616000" cy="4735410"/>
           </a:xfrm>
         </p:grpSpPr>
         <p:sp>
@@ -13137,8 +13362,8 @@
           </p:nvSpPr>
           <p:spPr>
             <a:xfrm>
-              <a:off x="2776035" y="3741002"/>
-              <a:ext cx="4104000" cy="1144191"/>
+              <a:off x="1058451" y="3717317"/>
+              <a:ext cx="4109940" cy="1140417"/>
             </a:xfrm>
             <a:prstGeom prst="trapezoid">
               <a:avLst>
@@ -13185,8 +13410,8 @@
           </p:nvSpPr>
           <p:spPr>
             <a:xfrm>
-              <a:off x="2042174" y="5011584"/>
-              <a:ext cx="5607883" cy="1195199"/>
+              <a:off x="323528" y="4983709"/>
+              <a:ext cx="5616000" cy="1191257"/>
             </a:xfrm>
             <a:prstGeom prst="trapezoid">
               <a:avLst>
@@ -13233,8 +13458,8 @@
           </p:nvSpPr>
           <p:spPr>
             <a:xfrm>
-              <a:off x="3496035" y="1455704"/>
-              <a:ext cx="2664000" cy="2134629"/>
+              <a:off x="1779493" y="1439556"/>
+              <a:ext cx="2667856" cy="2127589"/>
             </a:xfrm>
             <a:prstGeom prst="triangle">
               <a:avLst>
@@ -13267,45 +13492,45 @@
             </a:p>
           </p:txBody>
         </p:sp>
+        <p:sp>
+          <p:nvSpPr>
+            <p:cNvPr id="28" name="27 CuadroTexto"/>
+            <p:cNvSpPr txBox="1"/>
+            <p:nvPr/>
+          </p:nvSpPr>
+          <p:spPr>
+            <a:xfrm>
+              <a:off x="2457696" y="2276872"/>
+              <a:ext cx="1311449" cy="923330"/>
+            </a:xfrm>
+            <a:prstGeom prst="rect">
+              <a:avLst/>
+            </a:prstGeom>
+            <a:noFill/>
+          </p:spPr>
+          <p:txBody>
+            <a:bodyPr wrap="none" rtlCol="0">
+              <a:spAutoFit/>
+            </a:bodyPr>
+            <a:lstStyle/>
+            <a:p>
+              <a:pPr algn="ctr"/>
+              <a:r>
+                <a:rPr lang="es-PE" sz="2700" b="1" dirty="0" smtClean="0"/>
+                <a:t>UI</a:t>
+              </a:r>
+              <a:br>
+                <a:rPr lang="es-PE" sz="2700" b="1" dirty="0" smtClean="0"/>
+              </a:br>
+              <a:r>
+                <a:rPr lang="es-PE" sz="2700" b="1" dirty="0" smtClean="0"/>
+                <a:t>Sistema</a:t>
+              </a:r>
+              <a:endParaRPr lang="es-PE" sz="2700" b="1" dirty="0"/>
+            </a:p>
+          </p:txBody>
+        </p:sp>
       </p:grpSp>
-      <p:sp>
-        <p:nvSpPr>
-          <p:cNvPr id="28" name="27 CuadroTexto"/>
-          <p:cNvSpPr txBox="1"/>
-          <p:nvPr/>
-        </p:nvSpPr>
-        <p:spPr>
-          <a:xfrm>
-            <a:off x="2457696" y="2276872"/>
-            <a:ext cx="1311449" cy="923330"/>
-          </a:xfrm>
-          <a:prstGeom prst="rect">
-            <a:avLst/>
-          </a:prstGeom>
-          <a:noFill/>
-        </p:spPr>
-        <p:txBody>
-          <a:bodyPr wrap="none" rtlCol="0">
-            <a:spAutoFit/>
-          </a:bodyPr>
-          <a:lstStyle/>
-          <a:p>
-            <a:pPr algn="ctr"/>
-            <a:r>
-              <a:rPr lang="es-PE" sz="2700" b="1" dirty="0" smtClean="0"/>
-              <a:t>UI</a:t>
-            </a:r>
-            <a:br>
-              <a:rPr lang="es-PE" sz="2700" b="1" dirty="0" smtClean="0"/>
-            </a:br>
-            <a:r>
-              <a:rPr lang="es-PE" sz="2700" b="1" dirty="0" smtClean="0"/>
-              <a:t>Sistema</a:t>
-            </a:r>
-            <a:endParaRPr lang="es-PE" sz="2700" b="1" dirty="0"/>
-          </a:p>
-        </p:txBody>
-      </p:sp>
     </p:spTree>
     <p:extLst>
       <p:ext uri="{BB962C8B-B14F-4D97-AF65-F5344CB8AC3E}">
@@ -13327,6 +13552,101 @@
 </file>
 
 <file path=ppt/slides/slide28.xml><?xml version="1.0" encoding="utf-8"?>
+<p:sld xmlns:a="http://schemas.openxmlformats.org/drawingml/2006/main" xmlns:r="http://schemas.openxmlformats.org/officeDocument/2006/relationships" xmlns:p="http://schemas.openxmlformats.org/presentationml/2006/main">
+  <p:cSld>
+    <p:spTree>
+      <p:nvGrpSpPr>
+        <p:cNvPr id="1" name=""/>
+        <p:cNvGrpSpPr/>
+        <p:nvPr/>
+      </p:nvGrpSpPr>
+      <p:grpSpPr>
+        <a:xfrm>
+          <a:off x="0" y="0"/>
+          <a:ext cx="0" cy="0"/>
+          <a:chOff x="0" y="0"/>
+          <a:chExt cx="0" cy="0"/>
+        </a:xfrm>
+      </p:grpSpPr>
+      <p:sp>
+        <p:nvSpPr>
+          <p:cNvPr id="3" name="2 Título"/>
+          <p:cNvSpPr>
+            <a:spLocks noGrp="1"/>
+          </p:cNvSpPr>
+          <p:nvPr>
+            <p:ph type="title"/>
+          </p:nvPr>
+        </p:nvSpPr>
+        <p:spPr>
+          <a:xfrm>
+            <a:off x="683568" y="188736"/>
+            <a:ext cx="8229600" cy="864000"/>
+          </a:xfrm>
+        </p:spPr>
+        <p:txBody>
+          <a:bodyPr/>
+          <a:lstStyle/>
+          <a:p>
+            <a:r>
+              <a:rPr lang="es-PE" dirty="0" smtClean="0">
+                <a:solidFill>
+                  <a:srgbClr val="00823B"/>
+                </a:solidFill>
+              </a:rPr>
+              <a:t>Proporción de los Tipos de Pruebas</a:t>
+            </a:r>
+            <a:endParaRPr lang="es-PE" dirty="0">
+              <a:solidFill>
+                <a:srgbClr val="00823B"/>
+              </a:solidFill>
+            </a:endParaRPr>
+          </a:p>
+        </p:txBody>
+      </p:sp>
+      <p:graphicFrame>
+        <p:nvGraphicFramePr>
+          <p:cNvPr id="2" name="1 Gráfico"/>
+          <p:cNvGraphicFramePr/>
+          <p:nvPr>
+            <p:extLst>
+              <p:ext uri="{D42A27DB-BD31-4B8C-83A1-F6EECF244321}">
+                <p14:modId xmlns:p14="http://schemas.microsoft.com/office/powerpoint/2010/main" val="2386624454"/>
+              </p:ext>
+            </p:extLst>
+          </p:nvPr>
+        </p:nvGraphicFramePr>
+        <p:xfrm>
+          <a:off x="1043608" y="1268760"/>
+          <a:ext cx="7080448" cy="4840312"/>
+        </p:xfrm>
+        <a:graphic>
+          <a:graphicData uri="http://schemas.openxmlformats.org/drawingml/2006/chart">
+            <c:chart xmlns:c="http://schemas.openxmlformats.org/drawingml/2006/chart" xmlns:r="http://schemas.openxmlformats.org/officeDocument/2006/relationships" r:id="rId3"/>
+          </a:graphicData>
+        </a:graphic>
+      </p:graphicFrame>
+    </p:spTree>
+    <p:extLst>
+      <p:ext uri="{BB962C8B-B14F-4D97-AF65-F5344CB8AC3E}">
+        <p14:creationId xmlns:p14="http://schemas.microsoft.com/office/powerpoint/2010/main" val="4027035452"/>
+      </p:ext>
+    </p:extLst>
+  </p:cSld>
+  <p:clrMapOvr>
+    <a:masterClrMapping/>
+  </p:clrMapOvr>
+  <p:timing>
+    <p:tnLst>
+      <p:par>
+        <p:cTn id="1" dur="indefinite" restart="never" nodeType="tmRoot"/>
+      </p:par>
+    </p:tnLst>
+  </p:timing>
+</p:sld>
+</file>
+
+<file path=ppt/slides/slide29.xml><?xml version="1.0" encoding="utf-8"?>
 <p:sld xmlns:a="http://schemas.openxmlformats.org/drawingml/2006/main" xmlns:r="http://schemas.openxmlformats.org/officeDocument/2006/relationships" xmlns:p="http://schemas.openxmlformats.org/presentationml/2006/main">
   <p:cSld>
     <p:spTree>

--- a/Diapositivas/4. Web Testing.pptx
+++ b/Diapositivas/4. Web Testing.pptx
@@ -249,7 +249,6 @@
     </c:plotArea>
     <c:legend>
       <c:legendPos val="b"/>
-      <c:layout/>
       <c:overlay val="0"/>
       <c:txPr>
         <a:bodyPr/>
@@ -364,7 +363,7 @@
           <a:p>
             <a:fld id="{63D5FC4C-9EE1-4746-A368-724F618FC790}" type="datetimeFigureOut">
               <a:rPr lang="es-PE" smtClean="0"/>
-              <a:t>02/02/2013</a:t>
+              <a:t>05/02/2013</a:t>
             </a:fld>
             <a:endParaRPr lang="es-PE"/>
           </a:p>
@@ -5319,7 +5318,7 @@
             <a:fld id="{807CB568-C05F-482F-9F26-AA302B8892DF}" type="datetimeFigureOut">
               <a:rPr lang="es-ES" smtClean="0"/>
               <a:pPr/>
-              <a:t>02/02/2013</a:t>
+              <a:t>05/02/2013</a:t>
             </a:fld>
             <a:endParaRPr lang="es-ES"/>
           </a:p>
@@ -5498,7 +5497,7 @@
             <a:fld id="{807CB568-C05F-482F-9F26-AA302B8892DF}" type="datetimeFigureOut">
               <a:rPr lang="es-ES" smtClean="0"/>
               <a:pPr/>
-              <a:t>02/02/2013</a:t>
+              <a:t>05/02/2013</a:t>
             </a:fld>
             <a:endParaRPr lang="es-ES"/>
           </a:p>
@@ -5687,7 +5686,7 @@
             <a:fld id="{807CB568-C05F-482F-9F26-AA302B8892DF}" type="datetimeFigureOut">
               <a:rPr lang="es-ES" smtClean="0"/>
               <a:pPr/>
-              <a:t>02/02/2013</a:t>
+              <a:t>05/02/2013</a:t>
             </a:fld>
             <a:endParaRPr lang="es-ES"/>
           </a:p>
@@ -5866,7 +5865,7 @@
             <a:fld id="{807CB568-C05F-482F-9F26-AA302B8892DF}" type="datetimeFigureOut">
               <a:rPr lang="es-ES" smtClean="0"/>
               <a:pPr/>
-              <a:t>02/02/2013</a:t>
+              <a:t>05/02/2013</a:t>
             </a:fld>
             <a:endParaRPr lang="es-ES"/>
           </a:p>
@@ -6121,7 +6120,7 @@
             <a:fld id="{807CB568-C05F-482F-9F26-AA302B8892DF}" type="datetimeFigureOut">
               <a:rPr lang="es-ES" smtClean="0"/>
               <a:pPr/>
-              <a:t>02/02/2013</a:t>
+              <a:t>05/02/2013</a:t>
             </a:fld>
             <a:endParaRPr lang="es-ES"/>
           </a:p>
@@ -6418,7 +6417,7 @@
             <a:fld id="{807CB568-C05F-482F-9F26-AA302B8892DF}" type="datetimeFigureOut">
               <a:rPr lang="es-ES" smtClean="0"/>
               <a:pPr/>
-              <a:t>02/02/2013</a:t>
+              <a:t>05/02/2013</a:t>
             </a:fld>
             <a:endParaRPr lang="es-ES"/>
           </a:p>
@@ -6849,7 +6848,7 @@
             <a:fld id="{807CB568-C05F-482F-9F26-AA302B8892DF}" type="datetimeFigureOut">
               <a:rPr lang="es-ES" smtClean="0"/>
               <a:pPr/>
-              <a:t>02/02/2013</a:t>
+              <a:t>05/02/2013</a:t>
             </a:fld>
             <a:endParaRPr lang="es-ES"/>
           </a:p>
@@ -6976,7 +6975,7 @@
             <a:fld id="{807CB568-C05F-482F-9F26-AA302B8892DF}" type="datetimeFigureOut">
               <a:rPr lang="es-ES" smtClean="0"/>
               <a:pPr/>
-              <a:t>02/02/2013</a:t>
+              <a:t>05/02/2013</a:t>
             </a:fld>
             <a:endParaRPr lang="es-ES"/>
           </a:p>
@@ -7080,7 +7079,7 @@
             <a:fld id="{807CB568-C05F-482F-9F26-AA302B8892DF}" type="datetimeFigureOut">
               <a:rPr lang="es-ES" smtClean="0"/>
               <a:pPr/>
-              <a:t>02/02/2013</a:t>
+              <a:t>05/02/2013</a:t>
             </a:fld>
             <a:endParaRPr lang="es-ES"/>
           </a:p>
@@ -7366,7 +7365,7 @@
             <a:fld id="{807CB568-C05F-482F-9F26-AA302B8892DF}" type="datetimeFigureOut">
               <a:rPr lang="es-ES" smtClean="0"/>
               <a:pPr/>
-              <a:t>02/02/2013</a:t>
+              <a:t>05/02/2013</a:t>
             </a:fld>
             <a:endParaRPr lang="es-ES"/>
           </a:p>
@@ -7635,7 +7634,7 @@
             <a:fld id="{807CB568-C05F-482F-9F26-AA302B8892DF}" type="datetimeFigureOut">
               <a:rPr lang="es-ES" smtClean="0"/>
               <a:pPr/>
-              <a:t>02/02/2013</a:t>
+              <a:t>05/02/2013</a:t>
             </a:fld>
             <a:endParaRPr lang="es-ES"/>
           </a:p>
@@ -7886,7 +7885,7 @@
             <a:fld id="{807CB568-C05F-482F-9F26-AA302B8892DF}" type="datetimeFigureOut">
               <a:rPr lang="es-ES" smtClean="0"/>
               <a:pPr/>
-              <a:t>02/02/2013</a:t>
+              <a:t>05/02/2013</a:t>
             </a:fld>
             <a:endParaRPr lang="es-ES"/>
           </a:p>
@@ -10977,7 +10976,7 @@
               <a:t>Email: </a:t>
             </a:r>
             <a:r>
-              <a:rPr lang="en-US" sz="2000" dirty="0" smtClean="0">
+              <a:rPr lang="en-US" sz="2000" dirty="0">
                 <a:solidFill>
                   <a:srgbClr val="FFC000"/>
                 </a:solidFill>
@@ -10985,16 +10984,8 @@
                 <a:ea typeface="Calibri" pitchFamily="34" charset="0"/>
                 <a:cs typeface="Arial" pitchFamily="34" charset="0"/>
               </a:rPr>
-              <a:t>snahider@gmail.com</a:t>
-            </a:r>
-            <a:endParaRPr lang="en-US" sz="2000" dirty="0">
-              <a:solidFill>
-                <a:srgbClr val="FFC000"/>
-              </a:solidFill>
-              <a:latin typeface="Trebuchet MS" pitchFamily="34" charset="0"/>
-              <a:ea typeface="Calibri" pitchFamily="34" charset="0"/>
-              <a:cs typeface="Arial" pitchFamily="34" charset="0"/>
-            </a:endParaRPr>
+              <a:t>angel.nunez.salazar@gmail.com</a:t>
+            </a:r>
           </a:p>
           <a:p>
             <a:pPr lvl="0" algn="r" eaLnBrk="0" fontAlgn="base" hangingPunct="0">
@@ -11011,7 +11002,15 @@
                 <a:ea typeface="Calibri" pitchFamily="34" charset="0"/>
                 <a:cs typeface="Arial" pitchFamily="34" charset="0"/>
               </a:rPr>
-              <a:t>Blog: </a:t>
+              <a:t>Blog</a:t>
+            </a:r>
+            <a:r>
+              <a:rPr lang="en-US" sz="2000" dirty="0" smtClean="0">
+                <a:latin typeface="Trebuchet MS" pitchFamily="34" charset="0"/>
+                <a:ea typeface="Calibri" pitchFamily="34" charset="0"/>
+                <a:cs typeface="Arial" pitchFamily="34" charset="0"/>
+              </a:rPr>
+              <a:t>: </a:t>
             </a:r>
             <a:r>
               <a:rPr lang="en-US" sz="2000" dirty="0">
